--- a/Powerpoints/ChessPins.pptx
+++ b/Powerpoints/ChessPins.pptx
@@ -266,7 +266,7 @@
           <a:p>
             <a:fld id="{7F08A2AE-A5F3-4741-B96B-C84AEDA8D239}" type="datetimeFigureOut">
               <a:rPr lang="en-US" smtClean="0"/>
-              <a:t>10/19/23</a:t>
+              <a:t>11/23/23</a:t>
             </a:fld>
             <a:endParaRPr lang="en-US"/>
           </a:p>
@@ -464,7 +464,7 @@
           <a:p>
             <a:fld id="{7F08A2AE-A5F3-4741-B96B-C84AEDA8D239}" type="datetimeFigureOut">
               <a:rPr lang="en-US" smtClean="0"/>
-              <a:t>10/19/23</a:t>
+              <a:t>11/23/23</a:t>
             </a:fld>
             <a:endParaRPr lang="en-US"/>
           </a:p>
@@ -672,7 +672,7 @@
           <a:p>
             <a:fld id="{7F08A2AE-A5F3-4741-B96B-C84AEDA8D239}" type="datetimeFigureOut">
               <a:rPr lang="en-US" smtClean="0"/>
-              <a:t>10/19/23</a:t>
+              <a:t>11/23/23</a:t>
             </a:fld>
             <a:endParaRPr lang="en-US"/>
           </a:p>
@@ -870,7 +870,7 @@
           <a:p>
             <a:fld id="{7F08A2AE-A5F3-4741-B96B-C84AEDA8D239}" type="datetimeFigureOut">
               <a:rPr lang="en-US" smtClean="0"/>
-              <a:t>10/19/23</a:t>
+              <a:t>11/23/23</a:t>
             </a:fld>
             <a:endParaRPr lang="en-US"/>
           </a:p>
@@ -1145,7 +1145,7 @@
           <a:p>
             <a:fld id="{7F08A2AE-A5F3-4741-B96B-C84AEDA8D239}" type="datetimeFigureOut">
               <a:rPr lang="en-US" smtClean="0"/>
-              <a:t>10/19/23</a:t>
+              <a:t>11/23/23</a:t>
             </a:fld>
             <a:endParaRPr lang="en-US"/>
           </a:p>
@@ -1410,7 +1410,7 @@
           <a:p>
             <a:fld id="{7F08A2AE-A5F3-4741-B96B-C84AEDA8D239}" type="datetimeFigureOut">
               <a:rPr lang="en-US" smtClean="0"/>
-              <a:t>10/19/23</a:t>
+              <a:t>11/23/23</a:t>
             </a:fld>
             <a:endParaRPr lang="en-US"/>
           </a:p>
@@ -1822,7 +1822,7 @@
           <a:p>
             <a:fld id="{7F08A2AE-A5F3-4741-B96B-C84AEDA8D239}" type="datetimeFigureOut">
               <a:rPr lang="en-US" smtClean="0"/>
-              <a:t>10/19/23</a:t>
+              <a:t>11/23/23</a:t>
             </a:fld>
             <a:endParaRPr lang="en-US"/>
           </a:p>
@@ -1963,7 +1963,7 @@
           <a:p>
             <a:fld id="{7F08A2AE-A5F3-4741-B96B-C84AEDA8D239}" type="datetimeFigureOut">
               <a:rPr lang="en-US" smtClean="0"/>
-              <a:t>10/19/23</a:t>
+              <a:t>11/23/23</a:t>
             </a:fld>
             <a:endParaRPr lang="en-US"/>
           </a:p>
@@ -2076,7 +2076,7 @@
           <a:p>
             <a:fld id="{7F08A2AE-A5F3-4741-B96B-C84AEDA8D239}" type="datetimeFigureOut">
               <a:rPr lang="en-US" smtClean="0"/>
-              <a:t>10/19/23</a:t>
+              <a:t>11/23/23</a:t>
             </a:fld>
             <a:endParaRPr lang="en-US"/>
           </a:p>
@@ -2387,7 +2387,7 @@
           <a:p>
             <a:fld id="{7F08A2AE-A5F3-4741-B96B-C84AEDA8D239}" type="datetimeFigureOut">
               <a:rPr lang="en-US" smtClean="0"/>
-              <a:t>10/19/23</a:t>
+              <a:t>11/23/23</a:t>
             </a:fld>
             <a:endParaRPr lang="en-US"/>
           </a:p>
@@ -2675,7 +2675,7 @@
           <a:p>
             <a:fld id="{7F08A2AE-A5F3-4741-B96B-C84AEDA8D239}" type="datetimeFigureOut">
               <a:rPr lang="en-US" smtClean="0"/>
-              <a:t>10/19/23</a:t>
+              <a:t>11/23/23</a:t>
             </a:fld>
             <a:endParaRPr lang="en-US"/>
           </a:p>
@@ -2916,7 +2916,7 @@
           <a:p>
             <a:fld id="{7F08A2AE-A5F3-4741-B96B-C84AEDA8D239}" type="datetimeFigureOut">
               <a:rPr lang="en-US" smtClean="0"/>
-              <a:t>10/19/23</a:t>
+              <a:t>11/23/23</a:t>
             </a:fld>
             <a:endParaRPr lang="en-US"/>
           </a:p>
@@ -3555,10 +3555,10 @@
       </p:grpSpPr>
       <p:pic>
         <p:nvPicPr>
-          <p:cNvPr id="4" name="Picture 3">
-            <a:extLst>
-              <a:ext uri="{FF2B5EF4-FFF2-40B4-BE49-F238E27FC236}">
-                <a16:creationId xmlns:a16="http://schemas.microsoft.com/office/drawing/2014/main" id="{3BE3764E-022D-9246-28EC-D9FDADCE8F59}"/>
+          <p:cNvPr id="2" name="Picture 1">
+            <a:extLst>
+              <a:ext uri="{FF2B5EF4-FFF2-40B4-BE49-F238E27FC236}">
+                <a16:creationId xmlns:a16="http://schemas.microsoft.com/office/drawing/2014/main" id="{80E701AD-0300-AE05-26FF-FAEE87FDF055}"/>
               </a:ext>
             </a:extLst>
           </p:cNvPr>
@@ -3575,8 +3575,8 @@
         </p:blipFill>
         <p:spPr>
           <a:xfrm>
-            <a:off x="2662756" y="0"/>
-            <a:ext cx="6866488" cy="6858000"/>
+            <a:off x="2705700" y="47155"/>
+            <a:ext cx="6780599" cy="6763690"/>
           </a:xfrm>
           <a:prstGeom prst="rect">
             <a:avLst/>
